--- a/Documents/ThuctapNodejs5.pptx
+++ b/Documents/ThuctapNodejs5.pptx
@@ -5,7 +5,7 @@
     <p:sldMasterId id="2147483648" r:id="rId1"/>
   </p:sldMasterIdLst>
   <p:notesMasterIdLst>
-    <p:notesMasterId r:id="rId16"/>
+    <p:notesMasterId r:id="rId17"/>
   </p:notesMasterIdLst>
   <p:sldIdLst>
     <p:sldId id="294" r:id="rId2"/>
@@ -20,8 +20,9 @@
     <p:sldId id="367" r:id="rId11"/>
     <p:sldId id="359" r:id="rId12"/>
     <p:sldId id="369" r:id="rId13"/>
-    <p:sldId id="338" r:id="rId14"/>
-    <p:sldId id="318" r:id="rId15"/>
+    <p:sldId id="370" r:id="rId14"/>
+    <p:sldId id="371" r:id="rId15"/>
+    <p:sldId id="318" r:id="rId16"/>
   </p:sldIdLst>
   <p:sldSz cx="9144000" cy="5143500" type="screen16x9"/>
   <p:notesSz cx="6858000" cy="9144000"/>
@@ -235,7 +236,7 @@
           <a:p>
             <a:fld id="{C81D1D14-BC69-4E81-A241-7829F68D9A94}" type="datetimeFigureOut">
               <a:rPr lang="en-US" smtClean="0"/>
-              <a:t>6/24/18</a:t>
+              <a:t>7/4/18</a:t>
             </a:fld>
             <a:endParaRPr lang="en-US"/>
           </a:p>
@@ -503,90 +504,6 @@
 </p:notesMaster>
 </file>
 
-<file path=ppt/notesSlides/notesSlide1.xml><?xml version="1.0" encoding="utf-8"?>
-<p:notes xmlns:a="http://schemas.openxmlformats.org/drawingml/2006/main" xmlns:r="http://schemas.openxmlformats.org/officeDocument/2006/relationships" xmlns:p="http://schemas.openxmlformats.org/presentationml/2006/main">
-  <p:cSld>
-    <p:spTree>
-      <p:nvGrpSpPr>
-        <p:cNvPr id="1" name=""/>
-        <p:cNvGrpSpPr/>
-        <p:nvPr/>
-      </p:nvGrpSpPr>
-      <p:grpSpPr>
-        <a:xfrm>
-          <a:off x="0" y="0"/>
-          <a:ext cx="0" cy="0"/>
-          <a:chOff x="0" y="0"/>
-          <a:chExt cx="0" cy="0"/>
-        </a:xfrm>
-      </p:grpSpPr>
-      <p:sp>
-        <p:nvSpPr>
-          <p:cNvPr id="2" name="Slide Image Placeholder 1"/>
-          <p:cNvSpPr>
-            <a:spLocks noGrp="1" noRot="1" noChangeAspect="1"/>
-          </p:cNvSpPr>
-          <p:nvPr>
-            <p:ph type="sldImg"/>
-          </p:nvPr>
-        </p:nvSpPr>
-        <p:spPr/>
-      </p:sp>
-      <p:sp>
-        <p:nvSpPr>
-          <p:cNvPr id="3" name="Notes Placeholder 2"/>
-          <p:cNvSpPr>
-            <a:spLocks noGrp="1"/>
-          </p:cNvSpPr>
-          <p:nvPr>
-            <p:ph type="body" idx="1"/>
-          </p:nvPr>
-        </p:nvSpPr>
-        <p:spPr/>
-        <p:txBody>
-          <a:bodyPr/>
-          <a:lstStyle/>
-          <a:p>
-            <a:endParaRPr lang="en-US" dirty="0"/>
-          </a:p>
-        </p:txBody>
-      </p:sp>
-      <p:sp>
-        <p:nvSpPr>
-          <p:cNvPr id="4" name="Slide Number Placeholder 3"/>
-          <p:cNvSpPr>
-            <a:spLocks noGrp="1"/>
-          </p:cNvSpPr>
-          <p:nvPr>
-            <p:ph type="sldNum" sz="quarter" idx="10"/>
-          </p:nvPr>
-        </p:nvSpPr>
-        <p:spPr/>
-        <p:txBody>
-          <a:bodyPr/>
-          <a:lstStyle/>
-          <a:p>
-            <a:fld id="{6ED27907-7A40-454E-B822-A1454CCC2AE1}" type="slidenum">
-              <a:rPr lang="en-US" smtClean="0"/>
-              <a:t>13</a:t>
-            </a:fld>
-            <a:endParaRPr lang="en-US"/>
-          </a:p>
-        </p:txBody>
-      </p:sp>
-    </p:spTree>
-    <p:extLst>
-      <p:ext uri="{BB962C8B-B14F-4D97-AF65-F5344CB8AC3E}">
-        <p14:creationId xmlns:p14="http://schemas.microsoft.com/office/powerpoint/2010/main" val="1310895066"/>
-      </p:ext>
-    </p:extLst>
-  </p:cSld>
-  <p:clrMapOvr>
-    <a:masterClrMapping/>
-  </p:clrMapOvr>
-</p:notes>
-</file>
-
 <file path=ppt/slideLayouts/slideLayout1.xml><?xml version="1.0" encoding="utf-8"?>
 <p:sldLayout xmlns:a="http://schemas.openxmlformats.org/drawingml/2006/main" xmlns:r="http://schemas.openxmlformats.org/officeDocument/2006/relationships" xmlns:p="http://schemas.openxmlformats.org/presentationml/2006/main" type="title" preserve="1">
   <p:cSld name="Title Slide">
@@ -813,7 +730,7 @@
           <a:p>
             <a:fld id="{E306D676-E6CE-49ED-B2E4-C47FD7365D30}" type="datetimeFigureOut">
               <a:rPr lang="en-US" smtClean="0"/>
-              <a:t>6/24/18</a:t>
+              <a:t>7/4/18</a:t>
             </a:fld>
             <a:endParaRPr lang="en-US"/>
           </a:p>
@@ -1114,7 +1031,7 @@
           <a:p>
             <a:fld id="{E306D676-E6CE-49ED-B2E4-C47FD7365D30}" type="datetimeFigureOut">
               <a:rPr lang="en-US" smtClean="0"/>
-              <a:t>6/24/18</a:t>
+              <a:t>7/4/18</a:t>
             </a:fld>
             <a:endParaRPr lang="en-US"/>
           </a:p>
@@ -1394,7 +1311,7 @@
           <a:p>
             <a:fld id="{E306D676-E6CE-49ED-B2E4-C47FD7365D30}" type="datetimeFigureOut">
               <a:rPr lang="en-US" smtClean="0"/>
-              <a:t>6/24/18</a:t>
+              <a:t>7/4/18</a:t>
             </a:fld>
             <a:endParaRPr lang="en-US"/>
           </a:p>
@@ -1588,7 +1505,7 @@
           <a:p>
             <a:fld id="{E306D676-E6CE-49ED-B2E4-C47FD7365D30}" type="datetimeFigureOut">
               <a:rPr lang="en-US" smtClean="0"/>
-              <a:t>6/24/18</a:t>
+              <a:t>7/4/18</a:t>
             </a:fld>
             <a:endParaRPr lang="en-US"/>
           </a:p>
@@ -1792,7 +1709,7 @@
           <a:p>
             <a:fld id="{E306D676-E6CE-49ED-B2E4-C47FD7365D30}" type="datetimeFigureOut">
               <a:rPr lang="en-US" smtClean="0"/>
-              <a:t>6/24/18</a:t>
+              <a:t>7/4/18</a:t>
             </a:fld>
             <a:endParaRPr lang="en-US"/>
           </a:p>
@@ -3573,7 +3490,7 @@
           <a:p>
             <a:fld id="{E306D676-E6CE-49ED-B2E4-C47FD7365D30}" type="datetimeFigureOut">
               <a:rPr lang="en-US" smtClean="0"/>
-              <a:t>6/24/18</a:t>
+              <a:t>7/4/18</a:t>
             </a:fld>
             <a:endParaRPr lang="en-US"/>
           </a:p>
@@ -4019,7 +3936,7 @@
           <a:p>
             <a:fld id="{E306D676-E6CE-49ED-B2E4-C47FD7365D30}" type="datetimeFigureOut">
               <a:rPr lang="en-US" smtClean="0"/>
-              <a:t>6/24/18</a:t>
+              <a:t>7/4/18</a:t>
             </a:fld>
             <a:endParaRPr lang="en-US"/>
           </a:p>
@@ -4738,7 +4655,7 @@
             <a:fld id="{E306D676-E6CE-49ED-B2E4-C47FD7365D30}" type="datetimeFigureOut">
               <a:rPr lang="en-US" smtClean="0"/>
               <a:pPr/>
-              <a:t>6/24/18</a:t>
+              <a:t>7/4/18</a:t>
             </a:fld>
             <a:endParaRPr lang="en-US"/>
           </a:p>
@@ -5635,7 +5552,6 @@
               <a:rPr lang="en-US" dirty="0"/>
               <a:t>anguage </a:t>
             </a:r>
-            <a:endParaRPr lang="en-US" dirty="0"/>
           </a:p>
         </p:txBody>
       </p:sp>
@@ -6306,14 +6222,6 @@
               </a:rPr>
               <a:t> w3school.</a:t>
             </a:r>
-            <a:endParaRPr lang="en-US" sz="3000" dirty="0" smtClean="0">
-              <a:solidFill>
-                <a:srgbClr val="FFFF00"/>
-              </a:solidFill>
-              <a:latin typeface="SF UI Text" charset="0"/>
-              <a:ea typeface="SF UI Text" charset="0"/>
-              <a:cs typeface="SF UI Text" charset="0"/>
-            </a:endParaRPr>
           </a:p>
           <a:p>
             <a:pPr>
@@ -6671,7 +6579,6 @@
               <a:rPr lang="en-US" dirty="0"/>
               <a:t> </a:t>
             </a:r>
-            <a:endParaRPr lang="en-US" dirty="0"/>
           </a:p>
         </p:txBody>
       </p:sp>
@@ -6919,908 +6826,245 @@
       </p:grpSpPr>
       <p:sp>
         <p:nvSpPr>
-          <p:cNvPr id="10" name="Oval 9"/>
-          <p:cNvSpPr/>
+          <p:cNvPr id="2" name="Title 1"/>
+          <p:cNvSpPr>
+            <a:spLocks noGrp="1"/>
+          </p:cNvSpPr>
+          <p:nvPr>
+            <p:ph type="title"/>
+          </p:nvPr>
+        </p:nvSpPr>
+        <p:spPr/>
+        <p:txBody>
+          <a:bodyPr>
+            <a:normAutofit fontScale="90000"/>
+          </a:bodyPr>
+          <a:lstStyle/>
+          <a:p>
+            <a:pPr>
+              <a:spcBef>
+                <a:spcPts val="600"/>
+              </a:spcBef>
+            </a:pPr>
+            <a:r>
+              <a:rPr lang="en-US" dirty="0" smtClean="0">
+                <a:solidFill>
+                  <a:srgbClr val="FF0000"/>
+                </a:solidFill>
+              </a:rPr>
+              <a:t>R</a:t>
+            </a:r>
+            <a:r>
+              <a:rPr lang="en-US" dirty="0" smtClean="0"/>
+              <a:t>elational </a:t>
+            </a:r>
+            <a:r>
+              <a:rPr lang="en-US" dirty="0" smtClean="0">
+                <a:solidFill>
+                  <a:srgbClr val="00B050"/>
+                </a:solidFill>
+              </a:rPr>
+              <a:t>D</a:t>
+            </a:r>
+            <a:r>
+              <a:rPr lang="en-US" dirty="0" smtClean="0"/>
+              <a:t>atabase</a:t>
+            </a:r>
+            <a:r>
+              <a:rPr lang="en-US" dirty="0"/>
+              <a:t> </a:t>
+            </a:r>
+          </a:p>
+        </p:txBody>
+      </p:sp>
+      <p:sp>
+        <p:nvSpPr>
+          <p:cNvPr id="13" name="Title 1"/>
+          <p:cNvSpPr txBox="1">
+            <a:spLocks/>
+          </p:cNvSpPr>
           <p:nvPr/>
         </p:nvSpPr>
         <p:spPr>
           <a:xfrm>
-            <a:off x="0" y="457456"/>
-            <a:ext cx="6033854" cy="4705094"/>
-          </a:xfrm>
-          <a:prstGeom prst="ellipse">
-            <a:avLst/>
-          </a:prstGeom>
-        </p:spPr>
-        <p:style>
-          <a:lnRef idx="2">
-            <a:schemeClr val="accent1">
-              <a:shade val="50000"/>
-            </a:schemeClr>
-          </a:lnRef>
-          <a:fillRef idx="1">
-            <a:schemeClr val="accent1"/>
-          </a:fillRef>
-          <a:effectRef idx="0">
-            <a:schemeClr val="accent1"/>
-          </a:effectRef>
-          <a:fontRef idx="minor">
-            <a:schemeClr val="lt1"/>
-          </a:fontRef>
-        </p:style>
-        <p:txBody>
-          <a:bodyPr rtlCol="0" anchor="ctr"/>
-          <a:lstStyle/>
-          <a:p>
-            <a:pPr algn="ctr"/>
-            <a:endParaRPr lang="en-US"/>
-          </a:p>
-        </p:txBody>
-      </p:sp>
-      <p:sp>
-        <p:nvSpPr>
-          <p:cNvPr id="11" name="Oval 10"/>
-          <p:cNvSpPr/>
-          <p:nvPr/>
-        </p:nvSpPr>
-        <p:spPr>
-          <a:xfrm>
-            <a:off x="2700631" y="372973"/>
-            <a:ext cx="6251976" cy="4638299"/>
-          </a:xfrm>
-          <a:prstGeom prst="ellipse">
-            <a:avLst/>
-          </a:prstGeom>
-          <a:solidFill>
-            <a:srgbClr val="92D050">
-              <a:alpha val="63922"/>
-            </a:srgbClr>
-          </a:solidFill>
-        </p:spPr>
-        <p:style>
-          <a:lnRef idx="2">
-            <a:schemeClr val="accent1">
-              <a:shade val="50000"/>
-            </a:schemeClr>
-          </a:lnRef>
-          <a:fillRef idx="1">
-            <a:schemeClr val="accent1"/>
-          </a:fillRef>
-          <a:effectRef idx="0">
-            <a:schemeClr val="accent1"/>
-          </a:effectRef>
-          <a:fontRef idx="minor">
-            <a:schemeClr val="lt1"/>
-          </a:fontRef>
-        </p:style>
-        <p:txBody>
-          <a:bodyPr rtlCol="0" anchor="ctr"/>
-          <a:lstStyle/>
-          <a:p>
-            <a:pPr algn="ctr"/>
-            <a:endParaRPr lang="en-US"/>
-          </a:p>
-        </p:txBody>
-      </p:sp>
-      <p:sp>
-        <p:nvSpPr>
-          <p:cNvPr id="12" name="TextBox 11"/>
-          <p:cNvSpPr txBox="1"/>
-          <p:nvPr/>
-        </p:nvSpPr>
-        <p:spPr>
-          <a:xfrm>
-            <a:off x="42296" y="361950"/>
-            <a:ext cx="1502334" cy="461665"/>
+            <a:off x="990600" y="4619995"/>
+            <a:ext cx="3849757" cy="521020"/>
           </a:xfrm>
           <a:prstGeom prst="rect">
             <a:avLst/>
           </a:prstGeom>
-          <a:noFill/>
-        </p:spPr>
-        <p:txBody>
-          <a:bodyPr wrap="none" rtlCol="0">
-            <a:spAutoFit/>
+        </p:spPr>
+        <p:txBody>
+          <a:bodyPr vert="horz" lIns="91440" tIns="45720" rIns="91440" bIns="45720" rtlCol="0" anchor="ctr">
+            <a:normAutofit fontScale="90000" lnSpcReduction="10000"/>
           </a:bodyPr>
-          <a:lstStyle/>
-          <a:p>
-            <a:r>
-              <a:rPr lang="en-US" sz="2400" b="1" dirty="0" smtClean="0">
+          <a:lstStyle>
+            <a:lvl1pPr algn="ctr" defTabSz="914400" rtl="0" eaLnBrk="1" latinLnBrk="0" hangingPunct="1">
+              <a:spcBef>
+                <a:spcPct val="0"/>
+              </a:spcBef>
+              <a:buNone/>
+              <a:defRPr sz="4000" kern="1200">
                 <a:solidFill>
                   <a:schemeClr val="bg1"/>
                 </a:solidFill>
-                <a:latin typeface="Roboto Mono for Powerline" charset="0"/>
-                <a:ea typeface="Roboto Mono for Powerline" charset="0"/>
-                <a:cs typeface="Roboto Mono for Powerline" charset="0"/>
-              </a:rPr>
-              <a:t>Postman </a:t>
-            </a:r>
-            <a:endParaRPr lang="en-US" sz="2400" b="1" dirty="0">
+                <a:latin typeface="Segoe UI" pitchFamily="34" charset="0"/>
+                <a:ea typeface="Segoe UI" pitchFamily="34" charset="0"/>
+                <a:cs typeface="Segoe UI" pitchFamily="34" charset="0"/>
+              </a:defRPr>
+            </a:lvl1pPr>
+          </a:lstStyle>
+          <a:p>
+            <a:pPr algn="l">
+              <a:spcBef>
+                <a:spcPts val="600"/>
+              </a:spcBef>
+            </a:pPr>
+            <a:r>
+              <a:rPr lang="en-US" sz="3200" dirty="0" smtClean="0"/>
+              <a:t>1 </a:t>
+            </a:r>
+            <a:r>
+              <a:rPr lang="en-US" sz="3200" dirty="0" smtClean="0">
+                <a:solidFill>
+                  <a:srgbClr val="00B050"/>
+                </a:solidFill>
+              </a:rPr>
+              <a:t>Entity A </a:t>
+            </a:r>
+            <a:r>
+              <a:rPr lang="mr-IN" sz="3200" dirty="0" smtClean="0"/>
+              <a:t>–</a:t>
+            </a:r>
+            <a:r>
+              <a:rPr lang="en-US" sz="3200" dirty="0" smtClean="0"/>
+              <a:t> </a:t>
+            </a:r>
+            <a:r>
+              <a:rPr lang="en-US" sz="3200" dirty="0" smtClean="0"/>
+              <a:t>n </a:t>
+            </a:r>
+            <a:r>
+              <a:rPr lang="en-US" sz="3200" dirty="0" smtClean="0">
+                <a:solidFill>
+                  <a:srgbClr val="00B0F0"/>
+                </a:solidFill>
+              </a:rPr>
+              <a:t>Entity B</a:t>
+            </a:r>
+            <a:endParaRPr lang="en-US" sz="3200" dirty="0">
               <a:solidFill>
-                <a:schemeClr val="bg1"/>
+                <a:srgbClr val="00B0F0"/>
               </a:solidFill>
-              <a:latin typeface="Roboto Mono for Powerline" charset="0"/>
-              <a:ea typeface="Roboto Mono for Powerline" charset="0"/>
-              <a:cs typeface="Roboto Mono for Powerline" charset="0"/>
             </a:endParaRPr>
           </a:p>
         </p:txBody>
       </p:sp>
       <p:sp>
         <p:nvSpPr>
-          <p:cNvPr id="13" name="TextBox 12"/>
-          <p:cNvSpPr txBox="1"/>
+          <p:cNvPr id="15" name="Title 1"/>
+          <p:cNvSpPr txBox="1">
+            <a:spLocks/>
+          </p:cNvSpPr>
           <p:nvPr/>
         </p:nvSpPr>
         <p:spPr>
           <a:xfrm>
-            <a:off x="7924800" y="382084"/>
-            <a:ext cx="710451" cy="461665"/>
+            <a:off x="6781800" y="1047749"/>
+            <a:ext cx="2438400" cy="521020"/>
           </a:xfrm>
           <a:prstGeom prst="rect">
             <a:avLst/>
           </a:prstGeom>
-          <a:noFill/>
-        </p:spPr>
-        <p:txBody>
-          <a:bodyPr wrap="none" rtlCol="0">
-            <a:spAutoFit/>
+        </p:spPr>
+        <p:txBody>
+          <a:bodyPr vert="horz" lIns="91440" tIns="45720" rIns="91440" bIns="45720" rtlCol="0" anchor="ctr">
+            <a:normAutofit fontScale="90000" lnSpcReduction="10000"/>
           </a:bodyPr>
-          <a:lstStyle/>
-          <a:p>
-            <a:r>
-              <a:rPr lang="en-US" sz="2400" b="1" smtClean="0">
+          <a:lstStyle>
+            <a:lvl1pPr algn="ctr" defTabSz="914400" rtl="0" eaLnBrk="1" latinLnBrk="0" hangingPunct="1">
+              <a:spcBef>
+                <a:spcPct val="0"/>
+              </a:spcBef>
+              <a:buNone/>
+              <a:defRPr sz="4000" kern="1200">
                 <a:solidFill>
                   <a:schemeClr val="bg1"/>
                 </a:solidFill>
-                <a:latin typeface="Roboto Mono for Powerline" charset="0"/>
-                <a:ea typeface="Roboto Mono for Powerline" charset="0"/>
-                <a:cs typeface="Roboto Mono for Powerline" charset="0"/>
-              </a:rPr>
-              <a:t>curl</a:t>
-            </a:r>
-            <a:endParaRPr lang="en-US" sz="2400" b="1">
+                <a:latin typeface="Segoe UI" pitchFamily="34" charset="0"/>
+                <a:ea typeface="Segoe UI" pitchFamily="34" charset="0"/>
+                <a:cs typeface="Segoe UI" pitchFamily="34" charset="0"/>
+              </a:defRPr>
+            </a:lvl1pPr>
+          </a:lstStyle>
+          <a:p>
+            <a:pPr algn="l">
+              <a:spcBef>
+                <a:spcPts val="600"/>
+              </a:spcBef>
+            </a:pPr>
+            <a:r>
+              <a:rPr lang="en-US" sz="3200" dirty="0" err="1" smtClean="0"/>
+              <a:t>Quan</a:t>
+            </a:r>
+            <a:r>
+              <a:rPr lang="en-US" sz="3200" dirty="0" smtClean="0"/>
+              <a:t> </a:t>
+            </a:r>
+            <a:r>
+              <a:rPr lang="en-US" sz="3200" dirty="0" err="1" smtClean="0"/>
+              <a:t>hệ</a:t>
+            </a:r>
+            <a:r>
+              <a:rPr lang="en-US" sz="3200" dirty="0" smtClean="0"/>
+              <a:t> </a:t>
+            </a:r>
+            <a:r>
+              <a:rPr lang="en-US" sz="3200" dirty="0" smtClean="0"/>
+              <a:t>1-n</a:t>
+            </a:r>
+            <a:endParaRPr lang="en-US" sz="3200" dirty="0">
               <a:solidFill>
-                <a:schemeClr val="bg1"/>
+                <a:srgbClr val="00B0F0"/>
               </a:solidFill>
-              <a:latin typeface="Roboto Mono for Powerline" charset="0"/>
-              <a:ea typeface="Roboto Mono for Powerline" charset="0"/>
-              <a:cs typeface="Roboto Mono for Powerline" charset="0"/>
             </a:endParaRPr>
           </a:p>
         </p:txBody>
       </p:sp>
-      <p:sp>
-        <p:nvSpPr>
-          <p:cNvPr id="14" name="TextBox 13"/>
-          <p:cNvSpPr txBox="1"/>
+      <p:pic>
+        <p:nvPicPr>
+          <p:cNvPr id="4" name="Picture 3"/>
+          <p:cNvPicPr>
+            <a:picLocks noChangeAspect="1"/>
+          </p:cNvPicPr>
           <p:nvPr/>
-        </p:nvSpPr>
-        <p:spPr>
-          <a:xfrm>
-            <a:off x="5607917" y="740234"/>
-            <a:ext cx="2590800" cy="369332"/>
+        </p:nvPicPr>
+        <p:blipFill>
+          <a:blip r:embed="rId2">
+            <a:extLst>
+              <a:ext uri="{28A0092B-C50C-407E-A947-70E740481C1C}">
+                <a14:useLocalDpi xmlns:a14="http://schemas.microsoft.com/office/drawing/2010/main" val="0"/>
+              </a:ext>
+            </a:extLst>
+          </a:blip>
+          <a:stretch>
+            <a:fillRect/>
+          </a:stretch>
+        </p:blipFill>
+        <p:spPr>
+          <a:xfrm>
+            <a:off x="304800" y="1047749"/>
+            <a:ext cx="6367246" cy="3505201"/>
           </a:xfrm>
           <a:prstGeom prst="rect">
             <a:avLst/>
           </a:prstGeom>
-          <a:noFill/>
-        </p:spPr>
-        <p:txBody>
-          <a:bodyPr wrap="square" rtlCol="0">
-            <a:spAutoFit/>
-          </a:bodyPr>
-          <a:lstStyle/>
-          <a:p>
-            <a:r>
-              <a:rPr lang="vi-VN" smtClean="0">
-                <a:latin typeface="Calibri" charset="0"/>
-                <a:ea typeface="Calibri" charset="0"/>
-                <a:cs typeface="Calibri" charset="0"/>
-              </a:rPr>
-              <a:t>Ít trực quan</a:t>
-            </a:r>
-            <a:endParaRPr lang="en-US" dirty="0">
-              <a:latin typeface="Calibri" charset="0"/>
-              <a:ea typeface="Calibri" charset="0"/>
-              <a:cs typeface="Calibri" charset="0"/>
-            </a:endParaRPr>
-          </a:p>
-        </p:txBody>
-      </p:sp>
-      <p:sp>
-        <p:nvSpPr>
-          <p:cNvPr id="21" name="TextBox 20"/>
-          <p:cNvSpPr txBox="1"/>
-          <p:nvPr/>
-        </p:nvSpPr>
-        <p:spPr>
-          <a:xfrm>
-            <a:off x="990599" y="1025492"/>
-            <a:ext cx="2412901" cy="369332"/>
-          </a:xfrm>
-          <a:prstGeom prst="rect">
-            <a:avLst/>
-          </a:prstGeom>
-          <a:noFill/>
-        </p:spPr>
-        <p:txBody>
-          <a:bodyPr wrap="square" rtlCol="0">
-            <a:spAutoFit/>
-          </a:bodyPr>
-          <a:lstStyle/>
-          <a:p>
-            <a:r>
-              <a:rPr lang="vi-VN" dirty="0" smtClean="0">
-                <a:latin typeface="Calibri" charset="0"/>
-                <a:ea typeface="Calibri" charset="0"/>
-                <a:cs typeface="Calibri" charset="0"/>
-              </a:rPr>
-              <a:t>Trực quan, dễ dùng</a:t>
-            </a:r>
-            <a:endParaRPr lang="en-US" dirty="0">
-              <a:latin typeface="Calibri" charset="0"/>
-              <a:ea typeface="Calibri" charset="0"/>
-              <a:cs typeface="Calibri" charset="0"/>
-            </a:endParaRPr>
-          </a:p>
-        </p:txBody>
-      </p:sp>
-      <p:sp>
-        <p:nvSpPr>
-          <p:cNvPr id="23" name="TextBox 22"/>
-          <p:cNvSpPr txBox="1"/>
-          <p:nvPr/>
-        </p:nvSpPr>
-        <p:spPr>
-          <a:xfrm>
-            <a:off x="242925" y="2620396"/>
-            <a:ext cx="2590800" cy="369332"/>
-          </a:xfrm>
-          <a:prstGeom prst="rect">
-            <a:avLst/>
-          </a:prstGeom>
-          <a:noFill/>
-        </p:spPr>
-        <p:txBody>
-          <a:bodyPr wrap="square" rtlCol="0">
-            <a:spAutoFit/>
-          </a:bodyPr>
-          <a:lstStyle/>
-          <a:p>
-            <a:r>
-              <a:rPr lang="en-US" dirty="0" err="1" smtClean="0">
-                <a:ea typeface="Roboto Mono for Powerline" charset="0"/>
-                <a:cs typeface="Roboto Mono for Powerline" charset="0"/>
-              </a:rPr>
-              <a:t>Yêu</a:t>
-            </a:r>
-            <a:r>
-              <a:rPr lang="en-US" dirty="0" smtClean="0">
-                <a:ea typeface="Roboto Mono for Powerline" charset="0"/>
-                <a:cs typeface="Roboto Mono for Powerline" charset="0"/>
-              </a:rPr>
-              <a:t> </a:t>
-            </a:r>
-            <a:r>
-              <a:rPr lang="en-US" dirty="0" err="1" smtClean="0">
-                <a:ea typeface="Roboto Mono for Powerline" charset="0"/>
-                <a:cs typeface="Roboto Mono for Powerline" charset="0"/>
-              </a:rPr>
-              <a:t>cầu</a:t>
-            </a:r>
-            <a:r>
-              <a:rPr lang="en-US" dirty="0" smtClean="0">
-                <a:ea typeface="Roboto Mono for Powerline" charset="0"/>
-                <a:cs typeface="Roboto Mono for Powerline" charset="0"/>
-              </a:rPr>
-              <a:t> </a:t>
-            </a:r>
-            <a:r>
-              <a:rPr lang="en-US" dirty="0" err="1" smtClean="0">
-                <a:ea typeface="Roboto Mono for Powerline" charset="0"/>
-                <a:cs typeface="Roboto Mono for Powerline" charset="0"/>
-              </a:rPr>
-              <a:t>có</a:t>
-            </a:r>
-            <a:r>
-              <a:rPr lang="en-US" dirty="0" smtClean="0">
-                <a:ea typeface="Roboto Mono for Powerline" charset="0"/>
-                <a:cs typeface="Roboto Mono for Powerline" charset="0"/>
-              </a:rPr>
-              <a:t> Chrome</a:t>
-            </a:r>
-            <a:endParaRPr lang="en-US" dirty="0">
-              <a:ea typeface="Roboto Mono for Powerline" charset="0"/>
-              <a:cs typeface="Roboto Mono for Powerline" charset="0"/>
-            </a:endParaRPr>
-          </a:p>
-        </p:txBody>
-      </p:sp>
-      <p:sp>
-        <p:nvSpPr>
-          <p:cNvPr id="24" name="TextBox 23"/>
-          <p:cNvSpPr txBox="1"/>
-          <p:nvPr/>
-        </p:nvSpPr>
-        <p:spPr>
-          <a:xfrm>
-            <a:off x="6264646" y="2275667"/>
-            <a:ext cx="2651518" cy="646331"/>
-          </a:xfrm>
-          <a:prstGeom prst="rect">
-            <a:avLst/>
-          </a:prstGeom>
-          <a:noFill/>
-        </p:spPr>
-        <p:txBody>
-          <a:bodyPr wrap="square" rtlCol="0">
-            <a:spAutoFit/>
-          </a:bodyPr>
-          <a:lstStyle/>
-          <a:p>
-            <a:r>
-              <a:rPr lang="en-US" dirty="0" err="1" smtClean="0">
-                <a:ea typeface="Roboto Mono for Powerline" charset="0"/>
-                <a:cs typeface="Roboto Mono for Powerline" charset="0"/>
-              </a:rPr>
-              <a:t>Có</a:t>
-            </a:r>
-            <a:r>
-              <a:rPr lang="en-US" dirty="0" smtClean="0">
-                <a:ea typeface="Roboto Mono for Powerline" charset="0"/>
-                <a:cs typeface="Roboto Mono for Powerline" charset="0"/>
-              </a:rPr>
-              <a:t> </a:t>
-            </a:r>
-            <a:r>
-              <a:rPr lang="en-US" dirty="0" err="1" smtClean="0">
-                <a:ea typeface="Roboto Mono for Powerline" charset="0"/>
-                <a:cs typeface="Roboto Mono for Powerline" charset="0"/>
-              </a:rPr>
-              <a:t>thể</a:t>
-            </a:r>
-            <a:r>
-              <a:rPr lang="en-US" dirty="0" smtClean="0">
-                <a:ea typeface="Roboto Mono for Powerline" charset="0"/>
-                <a:cs typeface="Roboto Mono for Powerline" charset="0"/>
-              </a:rPr>
-              <a:t> </a:t>
-            </a:r>
-            <a:r>
-              <a:rPr lang="en-US" dirty="0" err="1" smtClean="0">
-                <a:ea typeface="Roboto Mono for Powerline" charset="0"/>
-                <a:cs typeface="Roboto Mono for Powerline" charset="0"/>
-              </a:rPr>
-              <a:t>trong</a:t>
-            </a:r>
-            <a:r>
-              <a:rPr lang="en-US" dirty="0" smtClean="0">
-                <a:ea typeface="Roboto Mono for Powerline" charset="0"/>
-                <a:cs typeface="Roboto Mono for Powerline" charset="0"/>
-              </a:rPr>
-              <a:t> comment </a:t>
-            </a:r>
-            <a:r>
-              <a:rPr lang="en-US" dirty="0" err="1" smtClean="0">
-                <a:ea typeface="Roboto Mono for Powerline" charset="0"/>
-                <a:cs typeface="Roboto Mono for Powerline" charset="0"/>
-              </a:rPr>
-              <a:t>của</a:t>
-            </a:r>
-            <a:r>
-              <a:rPr lang="en-US" dirty="0" smtClean="0">
-                <a:ea typeface="Roboto Mono for Powerline" charset="0"/>
-                <a:cs typeface="Roboto Mono for Powerline" charset="0"/>
-              </a:rPr>
-              <a:t> code, </a:t>
-            </a:r>
-            <a:r>
-              <a:rPr lang="en-US" dirty="0" err="1" smtClean="0">
-                <a:ea typeface="Roboto Mono for Powerline" charset="0"/>
-                <a:cs typeface="Roboto Mono for Powerline" charset="0"/>
-              </a:rPr>
-              <a:t>cần</a:t>
-            </a:r>
-            <a:r>
-              <a:rPr lang="en-US" dirty="0" smtClean="0">
-                <a:ea typeface="Roboto Mono for Powerline" charset="0"/>
-                <a:cs typeface="Roboto Mono for Powerline" charset="0"/>
-              </a:rPr>
-              <a:t> </a:t>
-            </a:r>
-            <a:r>
-              <a:rPr lang="en-US" dirty="0" err="1" smtClean="0">
-                <a:ea typeface="Roboto Mono for Powerline" charset="0"/>
-                <a:cs typeface="Roboto Mono for Powerline" charset="0"/>
-              </a:rPr>
-              <a:t>là</a:t>
-            </a:r>
-            <a:r>
-              <a:rPr lang="en-US" dirty="0" smtClean="0">
-                <a:ea typeface="Roboto Mono for Powerline" charset="0"/>
-                <a:cs typeface="Roboto Mono for Powerline" charset="0"/>
-              </a:rPr>
-              <a:t> </a:t>
-            </a:r>
-            <a:r>
-              <a:rPr lang="en-US" dirty="0" err="1" smtClean="0">
-                <a:ea typeface="Roboto Mono for Powerline" charset="0"/>
-                <a:cs typeface="Roboto Mono for Powerline" charset="0"/>
-              </a:rPr>
-              <a:t>xài</a:t>
-            </a:r>
-            <a:r>
-              <a:rPr lang="en-US" dirty="0" smtClean="0">
-                <a:ea typeface="Roboto Mono for Powerline" charset="0"/>
-                <a:cs typeface="Roboto Mono for Powerline" charset="0"/>
-              </a:rPr>
-              <a:t> </a:t>
-            </a:r>
-            <a:r>
-              <a:rPr lang="en-US" dirty="0" err="1" smtClean="0">
-                <a:ea typeface="Roboto Mono for Powerline" charset="0"/>
-                <a:cs typeface="Roboto Mono for Powerline" charset="0"/>
-              </a:rPr>
-              <a:t>đc</a:t>
-            </a:r>
-            <a:endParaRPr lang="en-US" dirty="0">
-              <a:ea typeface="Roboto Mono for Powerline" charset="0"/>
-              <a:cs typeface="Roboto Mono for Powerline" charset="0"/>
-            </a:endParaRPr>
-          </a:p>
-        </p:txBody>
-      </p:sp>
-      <p:sp>
-        <p:nvSpPr>
-          <p:cNvPr id="25" name="TextBox 24"/>
-          <p:cNvSpPr txBox="1"/>
-          <p:nvPr/>
-        </p:nvSpPr>
-        <p:spPr>
-          <a:xfrm>
-            <a:off x="3361224" y="1878673"/>
-            <a:ext cx="2412069" cy="369332"/>
-          </a:xfrm>
-          <a:prstGeom prst="rect">
-            <a:avLst/>
-          </a:prstGeom>
-          <a:noFill/>
-        </p:spPr>
-        <p:txBody>
-          <a:bodyPr wrap="square" rtlCol="0">
-            <a:spAutoFit/>
-          </a:bodyPr>
-          <a:lstStyle/>
-          <a:p>
-            <a:r>
-              <a:rPr lang="en-US" dirty="0" err="1" smtClean="0">
-                <a:ea typeface="Roboto Mono for Powerline" charset="0"/>
-                <a:cs typeface="Roboto Mono for Powerline" charset="0"/>
-              </a:rPr>
-              <a:t>Lấy</a:t>
-            </a:r>
-            <a:r>
-              <a:rPr lang="en-US" dirty="0" smtClean="0">
-                <a:ea typeface="Roboto Mono for Powerline" charset="0"/>
-                <a:cs typeface="Roboto Mono for Powerline" charset="0"/>
-              </a:rPr>
-              <a:t> </a:t>
-            </a:r>
-            <a:r>
-              <a:rPr lang="en-US" dirty="0" err="1" smtClean="0">
-                <a:ea typeface="Roboto Mono for Powerline" charset="0"/>
-                <a:cs typeface="Roboto Mono for Powerline" charset="0"/>
-              </a:rPr>
-              <a:t>được</a:t>
-            </a:r>
-            <a:r>
-              <a:rPr lang="en-US" dirty="0" smtClean="0">
-                <a:ea typeface="Roboto Mono for Powerline" charset="0"/>
-                <a:cs typeface="Roboto Mono for Powerline" charset="0"/>
-              </a:rPr>
-              <a:t> data </a:t>
-            </a:r>
-            <a:r>
-              <a:rPr lang="en-US" dirty="0" err="1" smtClean="0">
-                <a:ea typeface="Roboto Mono for Powerline" charset="0"/>
-                <a:cs typeface="Roboto Mono for Powerline" charset="0"/>
-              </a:rPr>
-              <a:t>trả</a:t>
-            </a:r>
-            <a:r>
-              <a:rPr lang="en-US" dirty="0" smtClean="0">
-                <a:ea typeface="Roboto Mono for Powerline" charset="0"/>
-                <a:cs typeface="Roboto Mono for Powerline" charset="0"/>
-              </a:rPr>
-              <a:t> </a:t>
-            </a:r>
-            <a:r>
-              <a:rPr lang="en-US" dirty="0" err="1" smtClean="0">
-                <a:ea typeface="Roboto Mono for Powerline" charset="0"/>
-                <a:cs typeface="Roboto Mono for Powerline" charset="0"/>
-              </a:rPr>
-              <a:t>về</a:t>
-            </a:r>
-            <a:endParaRPr lang="en-US" dirty="0">
-              <a:ea typeface="Roboto Mono for Powerline" charset="0"/>
-              <a:cs typeface="Roboto Mono for Powerline" charset="0"/>
-            </a:endParaRPr>
-          </a:p>
-        </p:txBody>
-      </p:sp>
-      <p:sp>
-        <p:nvSpPr>
-          <p:cNvPr id="17" name="TextBox 16"/>
-          <p:cNvSpPr txBox="1"/>
-          <p:nvPr/>
-        </p:nvSpPr>
-        <p:spPr>
-          <a:xfrm>
-            <a:off x="420824" y="1815127"/>
-            <a:ext cx="2412901" cy="369332"/>
-          </a:xfrm>
-          <a:prstGeom prst="rect">
-            <a:avLst/>
-          </a:prstGeom>
-          <a:noFill/>
-        </p:spPr>
-        <p:txBody>
-          <a:bodyPr wrap="square" rtlCol="0">
-            <a:spAutoFit/>
-          </a:bodyPr>
-          <a:lstStyle/>
-          <a:p>
-            <a:r>
-              <a:rPr lang="vi-VN" dirty="0" smtClean="0">
-                <a:latin typeface="Calibri" charset="0"/>
-                <a:ea typeface="Calibri" charset="0"/>
-                <a:cs typeface="Calibri" charset="0"/>
-              </a:rPr>
-              <a:t>Đồng bộ với Gmail</a:t>
-            </a:r>
-            <a:endParaRPr lang="en-US" dirty="0">
-              <a:latin typeface="Calibri" charset="0"/>
-              <a:ea typeface="Calibri" charset="0"/>
-              <a:cs typeface="Calibri" charset="0"/>
-            </a:endParaRPr>
-          </a:p>
-        </p:txBody>
-      </p:sp>
-      <p:sp>
-        <p:nvSpPr>
-          <p:cNvPr id="18" name="TextBox 17"/>
-          <p:cNvSpPr txBox="1"/>
-          <p:nvPr/>
-        </p:nvSpPr>
-        <p:spPr>
-          <a:xfrm>
-            <a:off x="6125592" y="1478204"/>
-            <a:ext cx="2412901" cy="646331"/>
-          </a:xfrm>
-          <a:prstGeom prst="rect">
-            <a:avLst/>
-          </a:prstGeom>
-          <a:noFill/>
-        </p:spPr>
-        <p:txBody>
-          <a:bodyPr wrap="square" rtlCol="0">
-            <a:spAutoFit/>
-          </a:bodyPr>
-          <a:lstStyle/>
-          <a:p>
-            <a:r>
-              <a:rPr lang="vi-VN" smtClean="0">
-                <a:latin typeface="Calibri" charset="0"/>
-                <a:ea typeface="Calibri" charset="0"/>
-                <a:cs typeface="Calibri" charset="0"/>
-              </a:rPr>
-              <a:t>Đã dùng quen thì ko muốn xài Postman</a:t>
-            </a:r>
-            <a:endParaRPr lang="en-US" dirty="0">
-              <a:latin typeface="Calibri" charset="0"/>
-              <a:ea typeface="Calibri" charset="0"/>
-              <a:cs typeface="Calibri" charset="0"/>
-            </a:endParaRPr>
-          </a:p>
-        </p:txBody>
-      </p:sp>
-      <p:sp>
-        <p:nvSpPr>
-          <p:cNvPr id="15" name="TextBox 14"/>
-          <p:cNvSpPr txBox="1"/>
-          <p:nvPr/>
-        </p:nvSpPr>
-        <p:spPr>
-          <a:xfrm>
-            <a:off x="3657600" y="0"/>
-            <a:ext cx="1370888" cy="461665"/>
-          </a:xfrm>
-          <a:prstGeom prst="rect">
-            <a:avLst/>
-          </a:prstGeom>
-          <a:noFill/>
-        </p:spPr>
-        <p:txBody>
-          <a:bodyPr wrap="none" rtlCol="0">
-            <a:spAutoFit/>
-          </a:bodyPr>
-          <a:lstStyle/>
-          <a:p>
-            <a:r>
-              <a:rPr lang="en-US" sz="2400" b="1" dirty="0" smtClean="0">
-                <a:solidFill>
-                  <a:schemeClr val="bg1"/>
-                </a:solidFill>
-                <a:latin typeface="Roboto Mono for Powerline" charset="0"/>
-                <a:ea typeface="Roboto Mono for Powerline" charset="0"/>
-                <a:cs typeface="Roboto Mono for Powerline" charset="0"/>
-              </a:rPr>
-              <a:t>So </a:t>
-            </a:r>
-            <a:r>
-              <a:rPr lang="en-US" sz="2400" b="1" dirty="0" err="1" smtClean="0">
-                <a:solidFill>
-                  <a:schemeClr val="bg1"/>
-                </a:solidFill>
-                <a:latin typeface="Roboto Mono for Powerline" charset="0"/>
-                <a:ea typeface="Roboto Mono for Powerline" charset="0"/>
-                <a:cs typeface="Roboto Mono for Powerline" charset="0"/>
-              </a:rPr>
-              <a:t>sánh</a:t>
-            </a:r>
-            <a:r>
-              <a:rPr lang="en-US" sz="2400" b="1" dirty="0" smtClean="0">
-                <a:solidFill>
-                  <a:schemeClr val="bg1"/>
-                </a:solidFill>
-                <a:latin typeface="Roboto Mono for Powerline" charset="0"/>
-                <a:ea typeface="Roboto Mono for Powerline" charset="0"/>
-                <a:cs typeface="Roboto Mono for Powerline" charset="0"/>
-              </a:rPr>
-              <a:t> </a:t>
-            </a:r>
-            <a:endParaRPr lang="en-US" sz="2400" b="1" dirty="0">
-              <a:solidFill>
-                <a:schemeClr val="bg1"/>
-              </a:solidFill>
-              <a:latin typeface="Roboto Mono for Powerline" charset="0"/>
-              <a:ea typeface="Roboto Mono for Powerline" charset="0"/>
-              <a:cs typeface="Roboto Mono for Powerline" charset="0"/>
-            </a:endParaRPr>
-          </a:p>
-        </p:txBody>
-      </p:sp>
-      <p:sp>
-        <p:nvSpPr>
-          <p:cNvPr id="19" name="TextBox 18"/>
-          <p:cNvSpPr txBox="1"/>
-          <p:nvPr/>
-        </p:nvSpPr>
-        <p:spPr>
-          <a:xfrm>
-            <a:off x="3274576" y="2481896"/>
-            <a:ext cx="2412069" cy="646331"/>
-          </a:xfrm>
-          <a:prstGeom prst="rect">
-            <a:avLst/>
-          </a:prstGeom>
-          <a:noFill/>
-        </p:spPr>
-        <p:txBody>
-          <a:bodyPr wrap="square" rtlCol="0">
-            <a:spAutoFit/>
-          </a:bodyPr>
-          <a:lstStyle/>
-          <a:p>
-            <a:r>
-              <a:rPr lang="en-US" dirty="0" err="1" smtClean="0">
-                <a:ea typeface="Roboto Mono for Powerline" charset="0"/>
-                <a:cs typeface="Roboto Mono for Powerline" charset="0"/>
-              </a:rPr>
-              <a:t>Dễ</a:t>
-            </a:r>
-            <a:r>
-              <a:rPr lang="en-US" dirty="0" smtClean="0">
-                <a:ea typeface="Roboto Mono for Powerline" charset="0"/>
-                <a:cs typeface="Roboto Mono for Powerline" charset="0"/>
-              </a:rPr>
-              <a:t> </a:t>
-            </a:r>
-            <a:r>
-              <a:rPr lang="en-US" dirty="0" err="1" smtClean="0">
-                <a:ea typeface="Roboto Mono for Powerline" charset="0"/>
-                <a:cs typeface="Roboto Mono for Powerline" charset="0"/>
-              </a:rPr>
-              <a:t>dàng</a:t>
-            </a:r>
-            <a:r>
-              <a:rPr lang="en-US" dirty="0" smtClean="0">
-                <a:ea typeface="Roboto Mono for Powerline" charset="0"/>
-                <a:cs typeface="Roboto Mono for Powerline" charset="0"/>
-              </a:rPr>
-              <a:t> </a:t>
-            </a:r>
-            <a:r>
-              <a:rPr lang="en-US" dirty="0" err="1" smtClean="0">
-                <a:ea typeface="Roboto Mono for Powerline" charset="0"/>
-                <a:cs typeface="Roboto Mono for Powerline" charset="0"/>
-              </a:rPr>
-              <a:t>tuỳ</a:t>
-            </a:r>
-            <a:r>
-              <a:rPr lang="en-US" dirty="0" smtClean="0">
-                <a:ea typeface="Roboto Mono for Powerline" charset="0"/>
-                <a:cs typeface="Roboto Mono for Powerline" charset="0"/>
-              </a:rPr>
-              <a:t> </a:t>
-            </a:r>
-            <a:r>
-              <a:rPr lang="en-US" dirty="0" err="1" smtClean="0">
-                <a:ea typeface="Roboto Mono for Powerline" charset="0"/>
-                <a:cs typeface="Roboto Mono for Powerline" charset="0"/>
-              </a:rPr>
-              <a:t>chỉnh</a:t>
-            </a:r>
-            <a:r>
-              <a:rPr lang="en-US" dirty="0" smtClean="0">
-                <a:ea typeface="Roboto Mono for Powerline" charset="0"/>
-                <a:cs typeface="Roboto Mono for Powerline" charset="0"/>
-              </a:rPr>
-              <a:t> </a:t>
-            </a:r>
-            <a:r>
-              <a:rPr lang="en-US" dirty="0" err="1" smtClean="0">
-                <a:ea typeface="Roboto Mono for Powerline" charset="0"/>
-                <a:cs typeface="Roboto Mono for Powerline" charset="0"/>
-              </a:rPr>
-              <a:t>các</a:t>
-            </a:r>
-            <a:r>
-              <a:rPr lang="en-US" dirty="0" smtClean="0">
-                <a:ea typeface="Roboto Mono for Powerline" charset="0"/>
-                <a:cs typeface="Roboto Mono for Powerline" charset="0"/>
-              </a:rPr>
-              <a:t> </a:t>
-            </a:r>
-            <a:r>
-              <a:rPr lang="en-US" dirty="0" err="1" smtClean="0">
-                <a:ea typeface="Roboto Mono for Powerline" charset="0"/>
-                <a:cs typeface="Roboto Mono for Powerline" charset="0"/>
-              </a:rPr>
-              <a:t>thông</a:t>
-            </a:r>
-            <a:r>
-              <a:rPr lang="en-US" dirty="0" smtClean="0">
-                <a:ea typeface="Roboto Mono for Powerline" charset="0"/>
-                <a:cs typeface="Roboto Mono for Powerline" charset="0"/>
-              </a:rPr>
-              <a:t> </a:t>
-            </a:r>
-            <a:r>
-              <a:rPr lang="en-US" dirty="0" err="1" smtClean="0">
-                <a:ea typeface="Roboto Mono for Powerline" charset="0"/>
-                <a:cs typeface="Roboto Mono for Powerline" charset="0"/>
-              </a:rPr>
-              <a:t>số</a:t>
-            </a:r>
-            <a:endParaRPr lang="en-US" dirty="0">
-              <a:ea typeface="Roboto Mono for Powerline" charset="0"/>
-              <a:cs typeface="Roboto Mono for Powerline" charset="0"/>
-            </a:endParaRPr>
-          </a:p>
-        </p:txBody>
-      </p:sp>
-      <p:sp>
-        <p:nvSpPr>
-          <p:cNvPr id="20" name="TextBox 19"/>
-          <p:cNvSpPr txBox="1"/>
-          <p:nvPr/>
-        </p:nvSpPr>
-        <p:spPr>
-          <a:xfrm>
-            <a:off x="6053150" y="3181350"/>
-            <a:ext cx="2651518" cy="646331"/>
-          </a:xfrm>
-          <a:prstGeom prst="rect">
-            <a:avLst/>
-          </a:prstGeom>
-          <a:noFill/>
-        </p:spPr>
-        <p:txBody>
-          <a:bodyPr wrap="square" rtlCol="0">
-            <a:spAutoFit/>
-          </a:bodyPr>
-          <a:lstStyle/>
-          <a:p>
-            <a:r>
-              <a:rPr lang="en-US" dirty="0" err="1" smtClean="0">
-                <a:ea typeface="Roboto Mono for Powerline" charset="0"/>
-                <a:cs typeface="Roboto Mono for Powerline" charset="0"/>
-              </a:rPr>
-              <a:t>Chỉ</a:t>
-            </a:r>
-            <a:r>
-              <a:rPr lang="en-US" dirty="0" smtClean="0">
-                <a:ea typeface="Roboto Mono for Powerline" charset="0"/>
-                <a:cs typeface="Roboto Mono for Powerline" charset="0"/>
-              </a:rPr>
-              <a:t> </a:t>
-            </a:r>
-            <a:r>
-              <a:rPr lang="en-US" dirty="0" err="1" smtClean="0">
-                <a:ea typeface="Roboto Mono for Powerline" charset="0"/>
-                <a:cs typeface="Roboto Mono for Powerline" charset="0"/>
-              </a:rPr>
-              <a:t>cần</a:t>
-            </a:r>
-            <a:r>
-              <a:rPr lang="en-US" dirty="0" smtClean="0">
-                <a:ea typeface="Roboto Mono for Powerline" charset="0"/>
-                <a:cs typeface="Roboto Mono for Powerline" charset="0"/>
-              </a:rPr>
-              <a:t> </a:t>
-            </a:r>
-            <a:r>
-              <a:rPr lang="en-US" dirty="0" err="1" smtClean="0">
-                <a:ea typeface="Roboto Mono for Powerline" charset="0"/>
-                <a:cs typeface="Roboto Mono for Powerline" charset="0"/>
-              </a:rPr>
-              <a:t>có</a:t>
-            </a:r>
-            <a:r>
-              <a:rPr lang="en-US" dirty="0" smtClean="0">
-                <a:ea typeface="Roboto Mono for Powerline" charset="0"/>
-                <a:cs typeface="Roboto Mono for Powerline" charset="0"/>
-              </a:rPr>
-              <a:t> terminal + curl </a:t>
-            </a:r>
-            <a:r>
-              <a:rPr lang="en-US" dirty="0" err="1" smtClean="0">
-                <a:ea typeface="Roboto Mono for Powerline" charset="0"/>
-                <a:cs typeface="Roboto Mono for Powerline" charset="0"/>
-              </a:rPr>
-              <a:t>là</a:t>
-            </a:r>
-            <a:r>
-              <a:rPr lang="en-US" dirty="0" smtClean="0">
-                <a:ea typeface="Roboto Mono for Powerline" charset="0"/>
-                <a:cs typeface="Roboto Mono for Powerline" charset="0"/>
-              </a:rPr>
-              <a:t> </a:t>
-            </a:r>
-            <a:r>
-              <a:rPr lang="en-US" dirty="0" err="1" smtClean="0">
-                <a:ea typeface="Roboto Mono for Powerline" charset="0"/>
-                <a:cs typeface="Roboto Mono for Powerline" charset="0"/>
-              </a:rPr>
-              <a:t>xài</a:t>
-            </a:r>
-            <a:r>
-              <a:rPr lang="en-US" dirty="0" smtClean="0">
-                <a:ea typeface="Roboto Mono for Powerline" charset="0"/>
-                <a:cs typeface="Roboto Mono for Powerline" charset="0"/>
-              </a:rPr>
-              <a:t> </a:t>
-            </a:r>
-            <a:r>
-              <a:rPr lang="en-US" dirty="0" err="1" smtClean="0">
-                <a:ea typeface="Roboto Mono for Powerline" charset="0"/>
-                <a:cs typeface="Roboto Mono for Powerline" charset="0"/>
-              </a:rPr>
-              <a:t>được</a:t>
-            </a:r>
-            <a:endParaRPr lang="en-US" dirty="0">
-              <a:ea typeface="Roboto Mono for Powerline" charset="0"/>
-              <a:cs typeface="Roboto Mono for Powerline" charset="0"/>
-            </a:endParaRPr>
-          </a:p>
-        </p:txBody>
-      </p:sp>
+        </p:spPr>
+      </p:pic>
     </p:spTree>
     <p:extLst>
       <p:ext uri="{BB962C8B-B14F-4D97-AF65-F5344CB8AC3E}">
-        <p14:creationId xmlns:p14="http://schemas.microsoft.com/office/powerpoint/2010/main" val="1563766036"/>
+        <p14:creationId xmlns:p14="http://schemas.microsoft.com/office/powerpoint/2010/main" val="677548796"/>
       </p:ext>
     </p:extLst>
   </p:cSld>
@@ -7838,6 +7082,117 @@
 </file>
 
 <file path=ppt/slides/slide14.xml><?xml version="1.0" encoding="utf-8"?>
+<p:sld xmlns:a="http://schemas.openxmlformats.org/drawingml/2006/main" xmlns:r="http://schemas.openxmlformats.org/officeDocument/2006/relationships" xmlns:p="http://schemas.openxmlformats.org/presentationml/2006/main">
+  <p:cSld>
+    <p:spTree>
+      <p:nvGrpSpPr>
+        <p:cNvPr id="1" name=""/>
+        <p:cNvGrpSpPr/>
+        <p:nvPr/>
+      </p:nvGrpSpPr>
+      <p:grpSpPr>
+        <a:xfrm>
+          <a:off x="0" y="0"/>
+          <a:ext cx="0" cy="0"/>
+          <a:chOff x="0" y="0"/>
+          <a:chExt cx="0" cy="0"/>
+        </a:xfrm>
+      </p:grpSpPr>
+      <p:sp>
+        <p:nvSpPr>
+          <p:cNvPr id="2" name="Title 1"/>
+          <p:cNvSpPr>
+            <a:spLocks noGrp="1"/>
+          </p:cNvSpPr>
+          <p:nvPr>
+            <p:ph type="title"/>
+          </p:nvPr>
+        </p:nvSpPr>
+        <p:spPr/>
+        <p:txBody>
+          <a:bodyPr>
+            <a:normAutofit fontScale="90000"/>
+          </a:bodyPr>
+          <a:lstStyle/>
+          <a:p>
+            <a:pPr>
+              <a:spcBef>
+                <a:spcPts val="600"/>
+              </a:spcBef>
+            </a:pPr>
+            <a:r>
+              <a:rPr lang="en-US" dirty="0" err="1" smtClean="0">
+                <a:solidFill>
+                  <a:schemeClr val="tx2">
+                    <a:lumMod val="40000"/>
+                    <a:lumOff val="60000"/>
+                  </a:schemeClr>
+                </a:solidFill>
+              </a:rPr>
+              <a:t>S</a:t>
+            </a:r>
+            <a:r>
+              <a:rPr lang="en-US" dirty="0" err="1" smtClean="0"/>
+              <a:t>equelize</a:t>
+            </a:r>
+            <a:r>
+              <a:rPr lang="en-US" dirty="0"/>
+              <a:t> </a:t>
+            </a:r>
+          </a:p>
+        </p:txBody>
+      </p:sp>
+      <p:pic>
+        <p:nvPicPr>
+          <p:cNvPr id="4" name="Picture 3"/>
+          <p:cNvPicPr>
+            <a:picLocks noChangeAspect="1"/>
+          </p:cNvPicPr>
+          <p:nvPr/>
+        </p:nvPicPr>
+        <p:blipFill>
+          <a:blip r:embed="rId2">
+            <a:extLst>
+              <a:ext uri="{28A0092B-C50C-407E-A947-70E740481C1C}">
+                <a14:useLocalDpi xmlns:a14="http://schemas.microsoft.com/office/drawing/2010/main" val="0"/>
+              </a:ext>
+            </a:extLst>
+          </a:blip>
+          <a:stretch>
+            <a:fillRect/>
+          </a:stretch>
+        </p:blipFill>
+        <p:spPr>
+          <a:xfrm>
+            <a:off x="1295400" y="753900"/>
+            <a:ext cx="6705600" cy="4367237"/>
+          </a:xfrm>
+          <a:prstGeom prst="rect">
+            <a:avLst/>
+          </a:prstGeom>
+        </p:spPr>
+      </p:pic>
+    </p:spTree>
+    <p:extLst>
+      <p:ext uri="{BB962C8B-B14F-4D97-AF65-F5344CB8AC3E}">
+        <p14:creationId xmlns:p14="http://schemas.microsoft.com/office/powerpoint/2010/main" val="1438758700"/>
+      </p:ext>
+    </p:extLst>
+  </p:cSld>
+  <p:clrMapOvr>
+    <a:masterClrMapping/>
+  </p:clrMapOvr>
+  <p:timing>
+    <p:tnLst>
+      <p:par>
+        <p:cTn id="1" dur="indefinite" restart="never" nodeType="tmRoot"/>
+      </p:par>
+    </p:tnLst>
+  </p:timing>
+</p:sld>
+</file>
+
+<file path=ppt/slides/slide15.xml><?xml version="1.0" encoding="utf-8"?>
 <p:sld xmlns:a="http://schemas.openxmlformats.org/drawingml/2006/main" xmlns:r="http://schemas.openxmlformats.org/officeDocument/2006/relationships" xmlns:p="http://schemas.openxmlformats.org/presentationml/2006/main" show="0">
   <p:cSld>
     <p:spTree>
@@ -8109,7 +7464,6 @@
               <a:rPr lang="en-US" dirty="0" smtClean="0"/>
               <a:t> Postgres SQL</a:t>
             </a:r>
-            <a:endParaRPr lang="en-US" dirty="0" smtClean="0"/>
           </a:p>
           <a:p>
             <a:pPr>
@@ -8315,11 +7669,7 @@
             </a:r>
             <a:r>
               <a:rPr lang="en-US" dirty="0" smtClean="0"/>
-              <a:t> </a:t>
-            </a:r>
-            <a:r>
-              <a:rPr lang="en-US" dirty="0" smtClean="0"/>
-              <a:t>Postgres SQL</a:t>
+              <a:t> Postgres SQL</a:t>
             </a:r>
             <a:endParaRPr lang="en-US" dirty="0"/>
           </a:p>
@@ -8694,7 +8044,6 @@
               <a:rPr lang="en-US" dirty="0"/>
               <a:t>anguage </a:t>
             </a:r>
-            <a:endParaRPr lang="en-US" dirty="0"/>
           </a:p>
         </p:txBody>
       </p:sp>
@@ -8826,7 +8175,6 @@
               <a:rPr lang="en-US" dirty="0"/>
               <a:t>anguage </a:t>
             </a:r>
-            <a:endParaRPr lang="en-US" dirty="0"/>
           </a:p>
         </p:txBody>
       </p:sp>
@@ -9148,7 +8496,6 @@
               <a:rPr lang="en-US" dirty="0"/>
               <a:t>anguage </a:t>
             </a:r>
-            <a:endParaRPr lang="en-US" dirty="0"/>
           </a:p>
         </p:txBody>
       </p:sp>
@@ -9483,7 +8830,6 @@
               <a:rPr lang="en-US" dirty="0"/>
               <a:t>anguage </a:t>
             </a:r>
-            <a:endParaRPr lang="en-US" dirty="0"/>
           </a:p>
         </p:txBody>
       </p:sp>
@@ -9809,7 +9155,6 @@
               <a:rPr lang="en-US" dirty="0"/>
               <a:t>anguage </a:t>
             </a:r>
-            <a:endParaRPr lang="en-US" dirty="0"/>
           </a:p>
         </p:txBody>
       </p:sp>
@@ -10127,7 +9472,6 @@
               <a:rPr lang="en-US" dirty="0"/>
               <a:t>anguage </a:t>
             </a:r>
-            <a:endParaRPr lang="en-US" dirty="0"/>
           </a:p>
         </p:txBody>
       </p:sp>
